--- a/Food Sales Predictions.pptx
+++ b/Food Sales Predictions.pptx
@@ -356,7 +356,7 @@
           <a:p>
             <a:fld id="{24CEC45A-AFB7-4ACE-83D9-4B772EA35BCF}" type="datetimeFigureOut">
               <a:rPr lang="en-US" smtClean="0"/>
-              <a:t>3/9/2021</a:t>
+              <a:t>3/10/2021</a:t>
             </a:fld>
             <a:endParaRPr lang="en-US"/>
           </a:p>
@@ -564,7 +564,7 @@
           <a:p>
             <a:fld id="{24CEC45A-AFB7-4ACE-83D9-4B772EA35BCF}" type="datetimeFigureOut">
               <a:rPr lang="en-US" smtClean="0"/>
-              <a:t>3/9/2021</a:t>
+              <a:t>3/10/2021</a:t>
             </a:fld>
             <a:endParaRPr lang="en-US"/>
           </a:p>
@@ -820,7 +820,7 @@
           <a:p>
             <a:fld id="{24CEC45A-AFB7-4ACE-83D9-4B772EA35BCF}" type="datetimeFigureOut">
               <a:rPr lang="en-US" smtClean="0"/>
-              <a:t>3/9/2021</a:t>
+              <a:t>3/10/2021</a:t>
             </a:fld>
             <a:endParaRPr lang="en-US"/>
           </a:p>
@@ -994,7 +994,7 @@
           <a:p>
             <a:fld id="{24CEC45A-AFB7-4ACE-83D9-4B772EA35BCF}" type="datetimeFigureOut">
               <a:rPr lang="en-US" smtClean="0"/>
-              <a:t>3/9/2021</a:t>
+              <a:t>3/10/2021</a:t>
             </a:fld>
             <a:endParaRPr lang="en-US"/>
           </a:p>
@@ -1329,7 +1329,7 @@
           <a:p>
             <a:fld id="{24CEC45A-AFB7-4ACE-83D9-4B772EA35BCF}" type="datetimeFigureOut">
               <a:rPr lang="en-US" smtClean="0"/>
-              <a:t>3/9/2021</a:t>
+              <a:t>3/10/2021</a:t>
             </a:fld>
             <a:endParaRPr lang="en-US"/>
           </a:p>
@@ -1604,7 +1604,7 @@
           <a:p>
             <a:fld id="{24CEC45A-AFB7-4ACE-83D9-4B772EA35BCF}" type="datetimeFigureOut">
               <a:rPr lang="en-US" smtClean="0"/>
-              <a:t>3/9/2021</a:t>
+              <a:t>3/10/2021</a:t>
             </a:fld>
             <a:endParaRPr lang="en-US"/>
           </a:p>
@@ -1983,7 +1983,7 @@
           <a:p>
             <a:fld id="{24CEC45A-AFB7-4ACE-83D9-4B772EA35BCF}" type="datetimeFigureOut">
               <a:rPr lang="en-US" smtClean="0"/>
-              <a:t>3/9/2021</a:t>
+              <a:t>3/10/2021</a:t>
             </a:fld>
             <a:endParaRPr lang="en-US"/>
           </a:p>
@@ -2101,7 +2101,7 @@
           <a:p>
             <a:fld id="{24CEC45A-AFB7-4ACE-83D9-4B772EA35BCF}" type="datetimeFigureOut">
               <a:rPr lang="en-US" smtClean="0"/>
-              <a:t>3/9/2021</a:t>
+              <a:t>3/10/2021</a:t>
             </a:fld>
             <a:endParaRPr lang="en-US"/>
           </a:p>
@@ -2272,7 +2272,7 @@
           <a:p>
             <a:fld id="{24CEC45A-AFB7-4ACE-83D9-4B772EA35BCF}" type="datetimeFigureOut">
               <a:rPr lang="en-US" smtClean="0"/>
-              <a:t>3/9/2021</a:t>
+              <a:t>3/10/2021</a:t>
             </a:fld>
             <a:endParaRPr lang="en-US"/>
           </a:p>
@@ -2626,7 +2626,7 @@
           <a:p>
             <a:fld id="{24CEC45A-AFB7-4ACE-83D9-4B772EA35BCF}" type="datetimeFigureOut">
               <a:rPr lang="en-US" smtClean="0"/>
-              <a:t>3/9/2021</a:t>
+              <a:t>3/10/2021</a:t>
             </a:fld>
             <a:endParaRPr lang="en-US"/>
           </a:p>
@@ -3008,7 +3008,7 @@
           <a:p>
             <a:fld id="{24CEC45A-AFB7-4ACE-83D9-4B772EA35BCF}" type="datetimeFigureOut">
               <a:rPr lang="en-US" smtClean="0"/>
-              <a:t>3/9/2021</a:t>
+              <a:t>3/10/2021</a:t>
             </a:fld>
             <a:endParaRPr lang="en-US"/>
           </a:p>
@@ -3295,7 +3295,7 @@
           <a:p>
             <a:fld id="{24CEC45A-AFB7-4ACE-83D9-4B772EA35BCF}" type="datetimeFigureOut">
               <a:rPr lang="en-US" smtClean="0"/>
-              <a:t>3/9/2021</a:t>
+              <a:t>3/10/2021</a:t>
             </a:fld>
             <a:endParaRPr lang="en-US"/>
           </a:p>
@@ -4947,8 +4947,12 @@
               <a:buChar char="•"/>
             </a:pPr>
             <a:r>
-              <a:rPr lang="en-US" dirty="0"/>
-              <a:t> Ordinal data</a:t>
+              <a:rPr lang="en-US"/>
+              <a:t> Categorical </a:t>
+            </a:r>
+            <a:r>
+              <a:rPr lang="en-US" dirty="0"/>
+              <a:t>data</a:t>
             </a:r>
           </a:p>
           <a:p>
